--- a/Dokumentation/Projektpräsentationen/Lineare_Regression_Josef.pptx
+++ b/Dokumentation/Projektpräsentationen/Lineare_Regression_Josef.pptx
@@ -292,7 +292,7 @@
           <a:p>
             <a:fld id="{FD8FB08E-8D63-433C-BFAF-8556A9A81DB4}" type="datetimeFigureOut">
               <a:rPr lang="de-AT" smtClean="0"/>
-              <a:t>05.05.2013</a:t>
+              <a:t>19.08.2013</a:t>
             </a:fld>
             <a:endParaRPr lang="de-AT"/>
           </a:p>
@@ -462,7 +462,7 @@
           <a:p>
             <a:fld id="{FD8FB08E-8D63-433C-BFAF-8556A9A81DB4}" type="datetimeFigureOut">
               <a:rPr lang="de-AT" smtClean="0"/>
-              <a:t>05.05.2013</a:t>
+              <a:t>19.08.2013</a:t>
             </a:fld>
             <a:endParaRPr lang="de-AT"/>
           </a:p>
@@ -642,7 +642,7 @@
           <a:p>
             <a:fld id="{FD8FB08E-8D63-433C-BFAF-8556A9A81DB4}" type="datetimeFigureOut">
               <a:rPr lang="de-AT" smtClean="0"/>
-              <a:t>05.05.2013</a:t>
+              <a:t>19.08.2013</a:t>
             </a:fld>
             <a:endParaRPr lang="de-AT"/>
           </a:p>
@@ -812,7 +812,7 @@
           <a:p>
             <a:fld id="{FD8FB08E-8D63-433C-BFAF-8556A9A81DB4}" type="datetimeFigureOut">
               <a:rPr lang="de-AT" smtClean="0"/>
-              <a:t>05.05.2013</a:t>
+              <a:t>19.08.2013</a:t>
             </a:fld>
             <a:endParaRPr lang="de-AT"/>
           </a:p>
@@ -1058,7 +1058,7 @@
           <a:p>
             <a:fld id="{FD8FB08E-8D63-433C-BFAF-8556A9A81DB4}" type="datetimeFigureOut">
               <a:rPr lang="de-AT" smtClean="0"/>
-              <a:t>05.05.2013</a:t>
+              <a:t>19.08.2013</a:t>
             </a:fld>
             <a:endParaRPr lang="de-AT"/>
           </a:p>
@@ -1346,7 +1346,7 @@
           <a:p>
             <a:fld id="{FD8FB08E-8D63-433C-BFAF-8556A9A81DB4}" type="datetimeFigureOut">
               <a:rPr lang="de-AT" smtClean="0"/>
-              <a:t>05.05.2013</a:t>
+              <a:t>19.08.2013</a:t>
             </a:fld>
             <a:endParaRPr lang="de-AT"/>
           </a:p>
@@ -1768,7 +1768,7 @@
           <a:p>
             <a:fld id="{FD8FB08E-8D63-433C-BFAF-8556A9A81DB4}" type="datetimeFigureOut">
               <a:rPr lang="de-AT" smtClean="0"/>
-              <a:t>05.05.2013</a:t>
+              <a:t>19.08.2013</a:t>
             </a:fld>
             <a:endParaRPr lang="de-AT"/>
           </a:p>
@@ -1886,7 +1886,7 @@
           <a:p>
             <a:fld id="{FD8FB08E-8D63-433C-BFAF-8556A9A81DB4}" type="datetimeFigureOut">
               <a:rPr lang="de-AT" smtClean="0"/>
-              <a:t>05.05.2013</a:t>
+              <a:t>19.08.2013</a:t>
             </a:fld>
             <a:endParaRPr lang="de-AT"/>
           </a:p>
@@ -1981,7 +1981,7 @@
           <a:p>
             <a:fld id="{FD8FB08E-8D63-433C-BFAF-8556A9A81DB4}" type="datetimeFigureOut">
               <a:rPr lang="de-AT" smtClean="0"/>
-              <a:t>05.05.2013</a:t>
+              <a:t>19.08.2013</a:t>
             </a:fld>
             <a:endParaRPr lang="de-AT"/>
           </a:p>
@@ -2258,7 +2258,7 @@
           <a:p>
             <a:fld id="{FD8FB08E-8D63-433C-BFAF-8556A9A81DB4}" type="datetimeFigureOut">
               <a:rPr lang="de-AT" smtClean="0"/>
-              <a:t>05.05.2013</a:t>
+              <a:t>19.08.2013</a:t>
             </a:fld>
             <a:endParaRPr lang="de-AT"/>
           </a:p>
@@ -2511,7 +2511,7 @@
           <a:p>
             <a:fld id="{FD8FB08E-8D63-433C-BFAF-8556A9A81DB4}" type="datetimeFigureOut">
               <a:rPr lang="de-AT" smtClean="0"/>
-              <a:t>05.05.2013</a:t>
+              <a:t>19.08.2013</a:t>
             </a:fld>
             <a:endParaRPr lang="de-AT"/>
           </a:p>
@@ -2724,7 +2724,7 @@
           <a:p>
             <a:fld id="{FD8FB08E-8D63-433C-BFAF-8556A9A81DB4}" type="datetimeFigureOut">
               <a:rPr lang="de-AT" smtClean="0"/>
-              <a:t>05.05.2013</a:t>
+              <a:t>19.08.2013</a:t>
             </a:fld>
             <a:endParaRPr lang="de-AT"/>
           </a:p>
@@ -3214,6 +3214,13 @@
   <p:clrMapOvr>
     <a:masterClrMapping/>
   </p:clrMapOvr>
+  <p:timing>
+    <p:tnLst>
+      <p:par>
+        <p:cTn id="1" dur="indefinite" restart="never" nodeType="tmRoot"/>
+      </p:par>
+    </p:tnLst>
+  </p:timing>
 </p:sld>
 </file>
 
@@ -3296,6 +3303,13 @@
   <p:clrMapOvr>
     <a:masterClrMapping/>
   </p:clrMapOvr>
+  <p:timing>
+    <p:tnLst>
+      <p:par>
+        <p:cTn id="1" dur="indefinite" restart="never" nodeType="tmRoot"/>
+      </p:par>
+    </p:tnLst>
+  </p:timing>
 </p:sld>
 </file>
 
@@ -3378,6 +3392,13 @@
   <p:clrMapOvr>
     <a:masterClrMapping/>
   </p:clrMapOvr>
+  <p:timing>
+    <p:tnLst>
+      <p:par>
+        <p:cTn id="1" dur="indefinite" restart="never" nodeType="tmRoot"/>
+      </p:par>
+    </p:tnLst>
+  </p:timing>
 </p:sld>
 </file>
 
@@ -3460,6 +3481,13 @@
   <p:clrMapOvr>
     <a:masterClrMapping/>
   </p:clrMapOvr>
+  <p:timing>
+    <p:tnLst>
+      <p:par>
+        <p:cTn id="1" dur="indefinite" restart="never" nodeType="tmRoot"/>
+      </p:par>
+    </p:tnLst>
+  </p:timing>
 </p:sld>
 </file>
 
@@ -3560,6 +3588,13 @@
   <p:clrMapOvr>
     <a:masterClrMapping/>
   </p:clrMapOvr>
+  <p:timing>
+    <p:tnLst>
+      <p:par>
+        <p:cTn id="1" dur="indefinite" restart="never" nodeType="tmRoot"/>
+      </p:par>
+    </p:tnLst>
+  </p:timing>
 </p:sld>
 </file>
 
